--- a/resources/ppt/03-refresher.pptx
+++ b/resources/ppt/03-refresher.pptx
@@ -216,7 +216,7 @@
           <a:p>
             <a:fld id="{20F783EE-1162-D542-858E-C0ADC43E5B44}" type="datetimeFigureOut">
               <a:rPr lang="en-US" smtClean="0"/>
-              <a:t>4/27/18</a:t>
+              <a:t>4/29/18</a:t>
             </a:fld>
             <a:endParaRPr lang="en-US"/>
           </a:p>
@@ -662,7 +662,7 @@
           <a:p>
             <a:fld id="{29E8D8C0-A902-7548-932F-00098DB31091}" type="datetimeFigureOut">
               <a:rPr lang="en-US" smtClean="0"/>
-              <a:t>4/27/18</a:t>
+              <a:t>4/29/18</a:t>
             </a:fld>
             <a:endParaRPr lang="en-US"/>
           </a:p>
@@ -830,7 +830,7 @@
           <a:p>
             <a:fld id="{29E8D8C0-A902-7548-932F-00098DB31091}" type="datetimeFigureOut">
               <a:rPr lang="en-US" smtClean="0"/>
-              <a:t>4/27/18</a:t>
+              <a:t>4/29/18</a:t>
             </a:fld>
             <a:endParaRPr lang="en-US"/>
           </a:p>
@@ -1008,7 +1008,7 @@
           <a:p>
             <a:fld id="{29E8D8C0-A902-7548-932F-00098DB31091}" type="datetimeFigureOut">
               <a:rPr lang="en-US" smtClean="0"/>
-              <a:t>4/27/18</a:t>
+              <a:t>4/29/18</a:t>
             </a:fld>
             <a:endParaRPr lang="en-US"/>
           </a:p>
@@ -1176,7 +1176,7 @@
           <a:p>
             <a:fld id="{29E8D8C0-A902-7548-932F-00098DB31091}" type="datetimeFigureOut">
               <a:rPr lang="en-US" smtClean="0"/>
-              <a:t>4/27/18</a:t>
+              <a:t>4/29/18</a:t>
             </a:fld>
             <a:endParaRPr lang="en-US"/>
           </a:p>
@@ -1421,7 +1421,7 @@
           <a:p>
             <a:fld id="{29E8D8C0-A902-7548-932F-00098DB31091}" type="datetimeFigureOut">
               <a:rPr lang="en-US" smtClean="0"/>
-              <a:t>4/27/18</a:t>
+              <a:t>4/29/18</a:t>
             </a:fld>
             <a:endParaRPr lang="en-US"/>
           </a:p>
@@ -1706,7 +1706,7 @@
           <a:p>
             <a:fld id="{29E8D8C0-A902-7548-932F-00098DB31091}" type="datetimeFigureOut">
               <a:rPr lang="en-US" smtClean="0"/>
-              <a:t>4/27/18</a:t>
+              <a:t>4/29/18</a:t>
             </a:fld>
             <a:endParaRPr lang="en-US"/>
           </a:p>
@@ -2125,7 +2125,7 @@
           <a:p>
             <a:fld id="{29E8D8C0-A902-7548-932F-00098DB31091}" type="datetimeFigureOut">
               <a:rPr lang="en-US" smtClean="0"/>
-              <a:t>4/27/18</a:t>
+              <a:t>4/29/18</a:t>
             </a:fld>
             <a:endParaRPr lang="en-US"/>
           </a:p>
@@ -2242,7 +2242,7 @@
           <a:p>
             <a:fld id="{29E8D8C0-A902-7548-932F-00098DB31091}" type="datetimeFigureOut">
               <a:rPr lang="en-US" smtClean="0"/>
-              <a:t>4/27/18</a:t>
+              <a:t>4/29/18</a:t>
             </a:fld>
             <a:endParaRPr lang="en-US"/>
           </a:p>
@@ -2337,7 +2337,7 @@
           <a:p>
             <a:fld id="{29E8D8C0-A902-7548-932F-00098DB31091}" type="datetimeFigureOut">
               <a:rPr lang="en-US" smtClean="0"/>
-              <a:t>4/27/18</a:t>
+              <a:t>4/29/18</a:t>
             </a:fld>
             <a:endParaRPr lang="en-US"/>
           </a:p>
@@ -2612,7 +2612,7 @@
           <a:p>
             <a:fld id="{29E8D8C0-A902-7548-932F-00098DB31091}" type="datetimeFigureOut">
               <a:rPr lang="en-US" smtClean="0"/>
-              <a:t>4/27/18</a:t>
+              <a:t>4/29/18</a:t>
             </a:fld>
             <a:endParaRPr lang="en-US"/>
           </a:p>
@@ -2864,7 +2864,7 @@
           <a:p>
             <a:fld id="{29E8D8C0-A902-7548-932F-00098DB31091}" type="datetimeFigureOut">
               <a:rPr lang="en-US" smtClean="0"/>
-              <a:t>4/27/18</a:t>
+              <a:t>4/29/18</a:t>
             </a:fld>
             <a:endParaRPr lang="en-US"/>
           </a:p>
@@ -3075,7 +3075,7 @@
           <a:p>
             <a:fld id="{29E8D8C0-A902-7548-932F-00098DB31091}" type="datetimeFigureOut">
               <a:rPr lang="en-US" smtClean="0"/>
-              <a:t>4/27/18</a:t>
+              <a:t>4/29/18</a:t>
             </a:fld>
             <a:endParaRPr lang="en-US"/>
           </a:p>
@@ -4709,7 +4709,7 @@
         <p:spPr>
           <a:xfrm>
             <a:off x="457200" y="274638"/>
-            <a:ext cx="4117005" cy="1143000"/>
+            <a:ext cx="8411029" cy="1143000"/>
           </a:xfrm>
         </p:spPr>
         <p:txBody>
@@ -4718,7 +4718,7 @@
           <a:p>
             <a:r>
               <a:rPr lang="en-US" dirty="0"/>
-              <a:t>Projections</a:t>
+              <a:t>Coordinate Reference Systems</a:t>
             </a:r>
           </a:p>
         </p:txBody>
@@ -4841,7 +4841,7 @@
             <a:pPr algn="ctr"/>
             <a:r>
               <a:rPr lang="en-US" dirty="0"/>
-              <a:t>Projection</a:t>
+              <a:t>CRS</a:t>
             </a:r>
           </a:p>
         </p:txBody>
@@ -4984,51 +4984,6 @@
           </a:fontRef>
         </p:style>
       </p:cxnSp>
-      <p:sp>
-        <p:nvSpPr>
-          <p:cNvPr id="21" name="Title 1"/>
-          <p:cNvSpPr txBox="1">
-            <a:spLocks/>
-          </p:cNvSpPr>
-          <p:nvPr/>
-        </p:nvSpPr>
-        <p:spPr>
-          <a:xfrm>
-            <a:off x="4726605" y="274638"/>
-            <a:ext cx="4117005" cy="1143000"/>
-          </a:xfrm>
-          <a:prstGeom prst="rect">
-            <a:avLst/>
-          </a:prstGeom>
-        </p:spPr>
-        <p:txBody>
-          <a:bodyPr vert="horz" lIns="91440" tIns="45720" rIns="91440" bIns="45720" rtlCol="0" anchor="ctr">
-            <a:normAutofit fontScale="85000" lnSpcReduction="10000"/>
-          </a:bodyPr>
-          <a:lstStyle>
-            <a:lvl1pPr algn="ctr" defTabSz="457200" rtl="0" eaLnBrk="1" latinLnBrk="0" hangingPunct="1">
-              <a:spcBef>
-                <a:spcPct val="0"/>
-              </a:spcBef>
-              <a:buNone/>
-              <a:defRPr sz="4400" kern="1200">
-                <a:solidFill>
-                  <a:schemeClr val="tx1"/>
-                </a:solidFill>
-                <a:latin typeface="+mj-lt"/>
-                <a:ea typeface="+mj-ea"/>
-                <a:cs typeface="+mj-cs"/>
-              </a:defRPr>
-            </a:lvl1pPr>
-          </a:lstStyle>
-          <a:p>
-            <a:r>
-              <a:rPr lang="en-US" dirty="0"/>
-              <a:t>Coordinate Reference Systems</a:t>
-            </a:r>
-          </a:p>
-        </p:txBody>
-      </p:sp>
       <p:sp>
         <p:nvSpPr>
           <p:cNvPr id="23" name="Content Placeholder 2"/>
@@ -5143,7 +5098,7 @@
           <a:p>
             <a:r>
               <a:rPr lang="en-US" dirty="0"/>
-              <a:t>Projections/CRSs</a:t>
+              <a:t>Coordinate Reference Systems</a:t>
             </a:r>
           </a:p>
         </p:txBody>
@@ -5266,7 +5221,7 @@
             <a:pPr algn="ctr"/>
             <a:r>
               <a:rPr lang="en-US" dirty="0"/>
-              <a:t>Layer CRS/Projection</a:t>
+              <a:t>Layer CRS</a:t>
             </a:r>
           </a:p>
         </p:txBody>
@@ -5307,7 +5262,7 @@
             <a:pPr algn="ctr"/>
             <a:r>
               <a:rPr lang="en-US" dirty="0"/>
-              <a:t>Project CRS/Projection</a:t>
+              <a:t>Project CRS</a:t>
             </a:r>
           </a:p>
         </p:txBody>
@@ -5461,7 +5416,7 @@
             <a:pPr algn="ctr"/>
             <a:r>
               <a:rPr lang="en-US" dirty="0"/>
-              <a:t>Layer CRS/Projection</a:t>
+              <a:t>Layer CRS</a:t>
             </a:r>
           </a:p>
         </p:txBody>
